--- a/_Game_Designer_Info/neglect_UI_ppt.pptx
+++ b/_Game_Designer_Info/neglect_UI_ppt.pptx
@@ -121,6 +121,11 @@
       </a:defRPr>
     </a:lvl9pPr>
   </p:defaultTextStyle>
+  <p:extLst>
+    <p:ext uri="{EFAFB233-063F-42B5-8137-9DF3F51BA10A}">
+      <p15:sldGuideLst xmlns:p15="http://schemas.microsoft.com/office/powerpoint/2012/main"/>
+    </p:ext>
+  </p:extLst>
 </p:presentation>
 </file>
 
@@ -4402,7 +4407,7 @@
           <a:p>
             <a:fld id="{DADD010A-7D32-4C85-BFD1-80F40DD4634A}" type="datetimeFigureOut">
               <a:rPr lang="ko-KR" altLang="en-US" smtClean="0"/>
-              <a:t>2025-02-06</a:t>
+              <a:t>2025-02-07</a:t>
             </a:fld>
             <a:endParaRPr lang="ko-KR" altLang="en-US"/>
           </a:p>
@@ -4600,7 +4605,7 @@
           <a:p>
             <a:fld id="{DADD010A-7D32-4C85-BFD1-80F40DD4634A}" type="datetimeFigureOut">
               <a:rPr lang="ko-KR" altLang="en-US" smtClean="0"/>
-              <a:t>2025-02-06</a:t>
+              <a:t>2025-02-07</a:t>
             </a:fld>
             <a:endParaRPr lang="ko-KR" altLang="en-US"/>
           </a:p>
@@ -4808,7 +4813,7 @@
           <a:p>
             <a:fld id="{DADD010A-7D32-4C85-BFD1-80F40DD4634A}" type="datetimeFigureOut">
               <a:rPr lang="ko-KR" altLang="en-US" smtClean="0"/>
-              <a:t>2025-02-06</a:t>
+              <a:t>2025-02-07</a:t>
             </a:fld>
             <a:endParaRPr lang="ko-KR" altLang="en-US"/>
           </a:p>
@@ -5006,7 +5011,7 @@
           <a:p>
             <a:fld id="{DADD010A-7D32-4C85-BFD1-80F40DD4634A}" type="datetimeFigureOut">
               <a:rPr lang="ko-KR" altLang="en-US" smtClean="0"/>
-              <a:t>2025-02-06</a:t>
+              <a:t>2025-02-07</a:t>
             </a:fld>
             <a:endParaRPr lang="ko-KR" altLang="en-US"/>
           </a:p>
@@ -5281,7 +5286,7 @@
           <a:p>
             <a:fld id="{DADD010A-7D32-4C85-BFD1-80F40DD4634A}" type="datetimeFigureOut">
               <a:rPr lang="ko-KR" altLang="en-US" smtClean="0"/>
-              <a:t>2025-02-06</a:t>
+              <a:t>2025-02-07</a:t>
             </a:fld>
             <a:endParaRPr lang="ko-KR" altLang="en-US"/>
           </a:p>
@@ -5546,7 +5551,7 @@
           <a:p>
             <a:fld id="{DADD010A-7D32-4C85-BFD1-80F40DD4634A}" type="datetimeFigureOut">
               <a:rPr lang="ko-KR" altLang="en-US" smtClean="0"/>
-              <a:t>2025-02-06</a:t>
+              <a:t>2025-02-07</a:t>
             </a:fld>
             <a:endParaRPr lang="ko-KR" altLang="en-US"/>
           </a:p>
@@ -5958,7 +5963,7 @@
           <a:p>
             <a:fld id="{DADD010A-7D32-4C85-BFD1-80F40DD4634A}" type="datetimeFigureOut">
               <a:rPr lang="ko-KR" altLang="en-US" smtClean="0"/>
-              <a:t>2025-02-06</a:t>
+              <a:t>2025-02-07</a:t>
             </a:fld>
             <a:endParaRPr lang="ko-KR" altLang="en-US"/>
           </a:p>
@@ -6099,7 +6104,7 @@
           <a:p>
             <a:fld id="{DADD010A-7D32-4C85-BFD1-80F40DD4634A}" type="datetimeFigureOut">
               <a:rPr lang="ko-KR" altLang="en-US" smtClean="0"/>
-              <a:t>2025-02-06</a:t>
+              <a:t>2025-02-07</a:t>
             </a:fld>
             <a:endParaRPr lang="ko-KR" altLang="en-US"/>
           </a:p>
@@ -6212,7 +6217,7 @@
           <a:p>
             <a:fld id="{DADD010A-7D32-4C85-BFD1-80F40DD4634A}" type="datetimeFigureOut">
               <a:rPr lang="ko-KR" altLang="en-US" smtClean="0"/>
-              <a:t>2025-02-06</a:t>
+              <a:t>2025-02-07</a:t>
             </a:fld>
             <a:endParaRPr lang="ko-KR" altLang="en-US"/>
           </a:p>
@@ -6523,7 +6528,7 @@
           <a:p>
             <a:fld id="{DADD010A-7D32-4C85-BFD1-80F40DD4634A}" type="datetimeFigureOut">
               <a:rPr lang="ko-KR" altLang="en-US" smtClean="0"/>
-              <a:t>2025-02-06</a:t>
+              <a:t>2025-02-07</a:t>
             </a:fld>
             <a:endParaRPr lang="ko-KR" altLang="en-US"/>
           </a:p>
@@ -6811,7 +6816,7 @@
           <a:p>
             <a:fld id="{DADD010A-7D32-4C85-BFD1-80F40DD4634A}" type="datetimeFigureOut">
               <a:rPr lang="ko-KR" altLang="en-US" smtClean="0"/>
-              <a:t>2025-02-06</a:t>
+              <a:t>2025-02-07</a:t>
             </a:fld>
             <a:endParaRPr lang="ko-KR" altLang="en-US"/>
           </a:p>
@@ -7052,7 +7057,7 @@
           <a:p>
             <a:fld id="{DADD010A-7D32-4C85-BFD1-80F40DD4634A}" type="datetimeFigureOut">
               <a:rPr lang="ko-KR" altLang="en-US" smtClean="0"/>
-              <a:t>2025-02-06</a:t>
+              <a:t>2025-02-07</a:t>
             </a:fld>
             <a:endParaRPr lang="ko-KR" altLang="en-US"/>
           </a:p>
@@ -8313,6 +8318,14 @@
               </a:rPr>
               <a:t>유저 화면</a:t>
             </a:r>
+            <a:r>
+              <a:rPr lang="en-US" altLang="ko-KR" sz="1050" dirty="0">
+                <a:solidFill>
+                  <a:sysClr val="windowText" lastClr="000000"/>
+                </a:solidFill>
+              </a:rPr>
+              <a:t/>
+            </a:r>
             <a:br>
               <a:rPr lang="en-US" altLang="ko-KR" sz="1050" dirty="0">
                 <a:solidFill>
@@ -8382,6 +8395,14 @@
                 </a:solidFill>
               </a:rPr>
               <a:t>이미지</a:t>
+            </a:r>
+            <a:r>
+              <a:rPr lang="en-US" altLang="ko-KR" sz="1050" dirty="0">
+                <a:solidFill>
+                  <a:sysClr val="windowText" lastClr="000000"/>
+                </a:solidFill>
+              </a:rPr>
+              <a:t/>
             </a:r>
             <a:br>
               <a:rPr lang="en-US" altLang="ko-KR" sz="1050" dirty="0">
@@ -11036,6 +11057,14 @@
               </a:rPr>
               <a:t>화면 세부 설정 버튼</a:t>
             </a:r>
+            <a:r>
+              <a:rPr lang="en-US" altLang="ko-KR" sz="1050" dirty="0">
+                <a:solidFill>
+                  <a:sysClr val="windowText" lastClr="000000"/>
+                </a:solidFill>
+              </a:rPr>
+              <a:t/>
+            </a:r>
             <a:br>
               <a:rPr lang="en-US" altLang="ko-KR" sz="1050" dirty="0">
                 <a:solidFill>
@@ -12212,6 +12241,14 @@
                 </a:solidFill>
               </a:rPr>
               <a:t>메인 타이틀</a:t>
+            </a:r>
+            <a:r>
+              <a:rPr lang="en-US" altLang="ko-KR" dirty="0">
+                <a:solidFill>
+                  <a:sysClr val="windowText" lastClr="000000"/>
+                </a:solidFill>
+              </a:rPr>
+              <a:t/>
             </a:r>
             <a:br>
               <a:rPr lang="en-US" altLang="ko-KR" dirty="0">
@@ -14729,6 +14766,14 @@
               </a:rPr>
               <a:t>메인 타이틀</a:t>
             </a:r>
+            <a:r>
+              <a:rPr lang="en-US" altLang="ko-KR" dirty="0">
+                <a:solidFill>
+                  <a:sysClr val="windowText" lastClr="000000"/>
+                </a:solidFill>
+              </a:rPr>
+              <a:t/>
+            </a:r>
             <a:br>
               <a:rPr lang="en-US" altLang="ko-KR" dirty="0">
                 <a:solidFill>
@@ -17245,6 +17290,14 @@
               </a:rPr>
               <a:t>메인 타이틀</a:t>
             </a:r>
+            <a:r>
+              <a:rPr lang="en-US" altLang="ko-KR" dirty="0">
+                <a:solidFill>
+                  <a:sysClr val="windowText" lastClr="000000"/>
+                </a:solidFill>
+              </a:rPr>
+              <a:t/>
+            </a:r>
             <a:br>
               <a:rPr lang="en-US" altLang="ko-KR" dirty="0">
                 <a:solidFill>
@@ -18682,6 +18735,14 @@
               </a:rPr>
               <a:t>메인 타이틀</a:t>
             </a:r>
+            <a:r>
+              <a:rPr lang="en-US" altLang="ko-KR" dirty="0">
+                <a:solidFill>
+                  <a:sysClr val="windowText" lastClr="000000"/>
+                </a:solidFill>
+              </a:rPr>
+              <a:t/>
+            </a:r>
             <a:br>
               <a:rPr lang="en-US" altLang="ko-KR" dirty="0">
                 <a:solidFill>
@@ -21573,6 +21634,14 @@
               </a:rPr>
               <a:t>메인 타이틀</a:t>
             </a:r>
+            <a:r>
+              <a:rPr lang="en-US" altLang="ko-KR" dirty="0">
+                <a:solidFill>
+                  <a:sysClr val="windowText" lastClr="000000"/>
+                </a:solidFill>
+              </a:rPr>
+              <a:t/>
+            </a:r>
             <a:br>
               <a:rPr lang="en-US" altLang="ko-KR" dirty="0">
                 <a:solidFill>
@@ -22839,6 +22908,14 @@
               </a:rPr>
               <a:t>메인 타이틀</a:t>
             </a:r>
+            <a:r>
+              <a:rPr lang="en-US" altLang="ko-KR" dirty="0">
+                <a:solidFill>
+                  <a:sysClr val="windowText" lastClr="000000"/>
+                </a:solidFill>
+              </a:rPr>
+              <a:t/>
+            </a:r>
             <a:br>
               <a:rPr lang="en-US" altLang="ko-KR" dirty="0">
                 <a:solidFill>
@@ -24357,6 +24434,14 @@
               </a:rPr>
               <a:t>체력바</a:t>
             </a:r>
+            <a:r>
+              <a:rPr lang="en-US" altLang="ko-KR" sz="1050" dirty="0">
+                <a:solidFill>
+                  <a:sysClr val="windowText" lastClr="000000"/>
+                </a:solidFill>
+              </a:rPr>
+              <a:t/>
+            </a:r>
             <a:br>
               <a:rPr lang="en-US" altLang="ko-KR" sz="1050" dirty="0">
                 <a:solidFill>
@@ -25289,6 +25374,14 @@
                 </a:solidFill>
               </a:rPr>
               <a:t>메인 타이틀</a:t>
+            </a:r>
+            <a:r>
+              <a:rPr lang="en-US" altLang="ko-KR" dirty="0">
+                <a:solidFill>
+                  <a:sysClr val="windowText" lastClr="000000"/>
+                </a:solidFill>
+              </a:rPr>
+              <a:t/>
             </a:r>
             <a:br>
               <a:rPr lang="en-US" altLang="ko-KR" dirty="0">
@@ -25579,6 +25672,14 @@
               </a:rPr>
               <a:t>메인 타이틀</a:t>
             </a:r>
+            <a:r>
+              <a:rPr lang="en-US" altLang="ko-KR" dirty="0">
+                <a:solidFill>
+                  <a:sysClr val="windowText" lastClr="000000"/>
+                </a:solidFill>
+              </a:rPr>
+              <a:t/>
+            </a:r>
             <a:br>
               <a:rPr lang="en-US" altLang="ko-KR" dirty="0">
                 <a:solidFill>
@@ -26517,6 +26618,14 @@
                 </a:solidFill>
               </a:rPr>
               <a:t>백그라운드 음영</a:t>
+            </a:r>
+            <a:r>
+              <a:rPr lang="en-US" altLang="ko-KR" sz="1050" dirty="0">
+                <a:solidFill>
+                  <a:sysClr val="windowText" lastClr="000000"/>
+                </a:solidFill>
+              </a:rPr>
+              <a:t/>
             </a:r>
             <a:br>
               <a:rPr lang="en-US" altLang="ko-KR" sz="1050" dirty="0">
@@ -27127,6 +27236,14 @@
               </a:rPr>
               <a:t>메인 타이틀</a:t>
             </a:r>
+            <a:r>
+              <a:rPr lang="en-US" altLang="ko-KR" dirty="0">
+                <a:solidFill>
+                  <a:sysClr val="windowText" lastClr="000000"/>
+                </a:solidFill>
+              </a:rPr>
+              <a:t/>
+            </a:r>
             <a:br>
               <a:rPr lang="en-US" altLang="ko-KR" dirty="0">
                 <a:solidFill>
@@ -28885,6 +29002,14 @@
               </a:rPr>
               <a:t>메인 타이틀</a:t>
             </a:r>
+            <a:r>
+              <a:rPr lang="en-US" altLang="ko-KR" dirty="0">
+                <a:solidFill>
+                  <a:sysClr val="windowText" lastClr="000000"/>
+                </a:solidFill>
+              </a:rPr>
+              <a:t/>
+            </a:r>
             <a:br>
               <a:rPr lang="en-US" altLang="ko-KR" dirty="0">
                 <a:solidFill>
@@ -31607,6 +31732,14 @@
                 </a:solidFill>
               </a:rPr>
               <a:t>메인 타이틀</a:t>
+            </a:r>
+            <a:r>
+              <a:rPr lang="en-US" altLang="ko-KR" dirty="0">
+                <a:solidFill>
+                  <a:sysClr val="windowText" lastClr="000000"/>
+                </a:solidFill>
+              </a:rPr>
+              <a:t/>
             </a:r>
             <a:br>
               <a:rPr lang="en-US" altLang="ko-KR" dirty="0">
@@ -34231,6 +34364,14 @@
               </a:rPr>
               <a:t>메인 타이틀</a:t>
             </a:r>
+            <a:r>
+              <a:rPr lang="en-US" altLang="ko-KR" dirty="0">
+                <a:solidFill>
+                  <a:sysClr val="windowText" lastClr="000000"/>
+                </a:solidFill>
+              </a:rPr>
+              <a:t/>
+            </a:r>
             <a:br>
               <a:rPr lang="en-US" altLang="ko-KR" dirty="0">
                 <a:solidFill>
@@ -35458,6 +35599,14 @@
               </a:rPr>
               <a:t> 스크롤바</a:t>
             </a:r>
+            <a:r>
+              <a:rPr lang="en-US" altLang="ko-KR" sz="1050" dirty="0">
+                <a:solidFill>
+                  <a:sysClr val="windowText" lastClr="000000"/>
+                </a:solidFill>
+              </a:rPr>
+              <a:t/>
+            </a:r>
             <a:br>
               <a:rPr lang="en-US" altLang="ko-KR" sz="1050" dirty="0">
                 <a:solidFill>
@@ -35566,6 +35715,14 @@
                 </a:solidFill>
               </a:rPr>
               <a:t> 기존 상태</a:t>
+            </a:r>
+            <a:r>
+              <a:rPr lang="en-US" altLang="ko-KR" sz="1050" dirty="0">
+                <a:solidFill>
+                  <a:sysClr val="windowText" lastClr="000000"/>
+                </a:solidFill>
+              </a:rPr>
+              <a:t/>
             </a:r>
             <a:br>
               <a:rPr lang="en-US" altLang="ko-KR" sz="1050" dirty="0">
@@ -36746,6 +36903,14 @@
               </a:rPr>
               <a:t>메인 타이틀</a:t>
             </a:r>
+            <a:r>
+              <a:rPr lang="en-US" altLang="ko-KR" dirty="0">
+                <a:solidFill>
+                  <a:sysClr val="windowText" lastClr="000000"/>
+                </a:solidFill>
+              </a:rPr>
+              <a:t/>
+            </a:r>
             <a:br>
               <a:rPr lang="en-US" altLang="ko-KR" dirty="0">
                 <a:solidFill>
@@ -39922,6 +40087,14 @@
                 </a:solidFill>
               </a:rPr>
               <a:t>메인 타이틀</a:t>
+            </a:r>
+            <a:r>
+              <a:rPr lang="en-US" altLang="ko-KR" dirty="0">
+                <a:solidFill>
+                  <a:sysClr val="windowText" lastClr="000000"/>
+                </a:solidFill>
+              </a:rPr>
+              <a:t/>
             </a:r>
             <a:br>
               <a:rPr lang="en-US" altLang="ko-KR" dirty="0">
@@ -42777,6 +42950,14 @@
               </a:rPr>
               <a:t>메인 타이틀</a:t>
             </a:r>
+            <a:r>
+              <a:rPr lang="en-US" altLang="ko-KR" dirty="0">
+                <a:solidFill>
+                  <a:sysClr val="windowText" lastClr="000000"/>
+                </a:solidFill>
+              </a:rPr>
+              <a:t/>
+            </a:r>
             <a:br>
               <a:rPr lang="en-US" altLang="ko-KR" dirty="0">
                 <a:solidFill>
@@ -43046,7 +43227,7 @@
           <p:nvPr/>
         </p:nvPicPr>
         <p:blipFill>
-          <a:blip r:embed="rId2">
+          <a:blip r:embed="rId2" cstate="hqprint">
             <a:extLst>
               <a:ext uri="{28A0092B-C50C-407E-A947-70E740481C1C}">
                 <a14:useLocalDpi xmlns:a14="http://schemas.microsoft.com/office/drawing/2010/main" val="0"/>
@@ -43100,7 +43281,7 @@
           <p:nvPr/>
         </p:nvPicPr>
         <p:blipFill>
-          <a:blip r:embed="rId3">
+          <a:blip r:embed="rId3" cstate="hqprint">
             <a:extLst>
               <a:ext uri="{28A0092B-C50C-407E-A947-70E740481C1C}">
                 <a14:useLocalDpi xmlns:a14="http://schemas.microsoft.com/office/drawing/2010/main" val="0"/>
@@ -43154,7 +43335,7 @@
           <p:nvPr/>
         </p:nvPicPr>
         <p:blipFill>
-          <a:blip r:embed="rId4">
+          <a:blip r:embed="rId4" cstate="hqprint">
             <a:extLst>
               <a:ext uri="{28A0092B-C50C-407E-A947-70E740481C1C}">
                 <a14:useLocalDpi xmlns:a14="http://schemas.microsoft.com/office/drawing/2010/main" val="0"/>
@@ -43717,7 +43898,7 @@
           <p:nvPr/>
         </p:nvPicPr>
         <p:blipFill>
-          <a:blip r:embed="rId5">
+          <a:blip r:embed="rId5" cstate="hqprint">
             <a:extLst>
               <a:ext uri="{28A0092B-C50C-407E-A947-70E740481C1C}">
                 <a14:useLocalDpi xmlns:a14="http://schemas.microsoft.com/office/drawing/2010/main" val="0"/>
@@ -46216,6 +46397,14 @@
               </a:rPr>
               <a:t>메인 타이틀</a:t>
             </a:r>
+            <a:r>
+              <a:rPr lang="en-US" altLang="ko-KR" dirty="0">
+                <a:solidFill>
+                  <a:sysClr val="windowText" lastClr="000000"/>
+                </a:solidFill>
+              </a:rPr>
+              <a:t/>
+            </a:r>
             <a:br>
               <a:rPr lang="en-US" altLang="ko-KR" dirty="0">
                 <a:solidFill>
@@ -46485,7 +46674,7 @@
           <p:nvPr/>
         </p:nvPicPr>
         <p:blipFill>
-          <a:blip r:embed="rId2">
+          <a:blip r:embed="rId2" cstate="hqprint">
             <a:extLst>
               <a:ext uri="{28A0092B-C50C-407E-A947-70E740481C1C}">
                 <a14:useLocalDpi xmlns:a14="http://schemas.microsoft.com/office/drawing/2010/main" val="0"/>
@@ -46539,7 +46728,7 @@
           <p:nvPr/>
         </p:nvPicPr>
         <p:blipFill>
-          <a:blip r:embed="rId3">
+          <a:blip r:embed="rId3" cstate="hqprint">
             <a:extLst>
               <a:ext uri="{28A0092B-C50C-407E-A947-70E740481C1C}">
                 <a14:useLocalDpi xmlns:a14="http://schemas.microsoft.com/office/drawing/2010/main" val="0"/>
@@ -46593,7 +46782,7 @@
           <p:nvPr/>
         </p:nvPicPr>
         <p:blipFill>
-          <a:blip r:embed="rId4">
+          <a:blip r:embed="rId4" cstate="hqprint">
             <a:extLst>
               <a:ext uri="{28A0092B-C50C-407E-A947-70E740481C1C}">
                 <a14:useLocalDpi xmlns:a14="http://schemas.microsoft.com/office/drawing/2010/main" val="0"/>
@@ -47156,7 +47345,7 @@
           <p:nvPr/>
         </p:nvPicPr>
         <p:blipFill>
-          <a:blip r:embed="rId5">
+          <a:blip r:embed="rId5" cstate="hqprint">
             <a:extLst>
               <a:ext uri="{28A0092B-C50C-407E-A947-70E740481C1C}">
                 <a14:useLocalDpi xmlns:a14="http://schemas.microsoft.com/office/drawing/2010/main" val="0"/>
@@ -51506,6 +51695,14 @@
                 </a:solidFill>
               </a:rPr>
               <a:t>메인 타이틀</a:t>
+            </a:r>
+            <a:r>
+              <a:rPr lang="en-US" altLang="ko-KR" dirty="0">
+                <a:solidFill>
+                  <a:sysClr val="windowText" lastClr="000000"/>
+                </a:solidFill>
+              </a:rPr>
+              <a:t/>
             </a:r>
             <a:br>
               <a:rPr lang="en-US" altLang="ko-KR" dirty="0">
